--- a/SystemTemplate.pptx
+++ b/SystemTemplate.pptx
@@ -7,6 +7,7 @@
   <p:sldIdLst>
     <p:sldId id="256" r:id="rId2"/>
     <p:sldId id="257" r:id="rId3"/>
+    <p:sldId id="258" r:id="rId4"/>
   </p:sldIdLst>
   <p:sldSz cx="12192000" cy="6858000"/>
   <p:notesSz cx="6858000" cy="9144000"/>
@@ -105,6 +106,11 @@
       </a:defRPr>
     </a:lvl9pPr>
   </p:defaultTextStyle>
+  <p:extLst>
+    <p:ext uri="{EFAFB233-063F-42B5-8137-9DF3F51BA10A}">
+      <p15:sldGuideLst xmlns:p15="http://schemas.microsoft.com/office/powerpoint/2012/main"/>
+    </p:ext>
+  </p:extLst>
 </p:presentation>
 </file>
 
@@ -7397,6 +7403,709 @@
           </a:p>
         </p:txBody>
       </p:sp>
+      <p:sp>
+        <p:nvSpPr>
+          <p:cNvPr id="21" name="직사각형 20"/>
+          <p:cNvSpPr/>
+          <p:nvPr/>
+        </p:nvSpPr>
+        <p:spPr>
+          <a:xfrm>
+            <a:off x="3207621" y="6150577"/>
+            <a:ext cx="812550" cy="669449"/>
+          </a:xfrm>
+          <a:prstGeom prst="rect">
+            <a:avLst/>
+          </a:prstGeom>
+          <a:solidFill>
+            <a:schemeClr val="accent2">
+              <a:lumMod val="40000"/>
+              <a:lumOff val="60000"/>
+            </a:schemeClr>
+          </a:solidFill>
+          <a:ln>
+            <a:solidFill>
+              <a:schemeClr val="tx1"/>
+            </a:solidFill>
+          </a:ln>
+        </p:spPr>
+        <p:style>
+          <a:lnRef idx="2">
+            <a:schemeClr val="accent1">
+              <a:shade val="50000"/>
+            </a:schemeClr>
+          </a:lnRef>
+          <a:fillRef idx="1">
+            <a:schemeClr val="accent1"/>
+          </a:fillRef>
+          <a:effectRef idx="0">
+            <a:schemeClr val="accent1"/>
+          </a:effectRef>
+          <a:fontRef idx="minor">
+            <a:schemeClr val="lt1"/>
+          </a:fontRef>
+        </p:style>
+        <p:txBody>
+          <a:bodyPr rot="0" spcFirstLastPara="0" vert="horz" wrap="square" lIns="91440" tIns="45720" rIns="91440" bIns="45720" numCol="1" spcCol="0" rtlCol="0" fromWordArt="0" anchor="ctr" anchorCtr="0" forceAA="0" compatLnSpc="1">
+            <a:prstTxWarp prst="textNoShape">
+              <a:avLst/>
+            </a:prstTxWarp>
+            <a:noAutofit/>
+          </a:bodyPr>
+          <a:lstStyle>
+            <a:defPPr marR="0" lvl="0" algn="l" rtl="0">
+              <a:lnSpc>
+                <a:spcPct val="100000"/>
+              </a:lnSpc>
+              <a:spcBef>
+                <a:spcPts val="0"/>
+              </a:spcBef>
+              <a:spcAft>
+                <a:spcPts val="0"/>
+              </a:spcAft>
+            </a:defPPr>
+            <a:lvl1pPr marR="0" lvl="0" algn="l" rtl="0">
+              <a:lnSpc>
+                <a:spcPct val="100000"/>
+              </a:lnSpc>
+              <a:spcBef>
+                <a:spcPts val="0"/>
+              </a:spcBef>
+              <a:spcAft>
+                <a:spcPts val="0"/>
+              </a:spcAft>
+              <a:buClr>
+                <a:srgbClr val="000000"/>
+              </a:buClr>
+              <a:buFont typeface="Arial"/>
+              <a:defRPr sz="1400" b="0" i="0" u="none" strike="noStrike" cap="none">
+                <a:solidFill>
+                  <a:schemeClr val="lt1"/>
+                </a:solidFill>
+                <a:latin typeface="+mn-lt"/>
+                <a:ea typeface="+mn-ea"/>
+                <a:cs typeface="+mn-cs"/>
+                <a:sym typeface="Arial"/>
+              </a:defRPr>
+            </a:lvl1pPr>
+            <a:lvl2pPr marR="0" lvl="1" algn="l" rtl="0">
+              <a:lnSpc>
+                <a:spcPct val="100000"/>
+              </a:lnSpc>
+              <a:spcBef>
+                <a:spcPts val="0"/>
+              </a:spcBef>
+              <a:spcAft>
+                <a:spcPts val="0"/>
+              </a:spcAft>
+              <a:buClr>
+                <a:srgbClr val="000000"/>
+              </a:buClr>
+              <a:buFont typeface="Arial"/>
+              <a:defRPr sz="1400" b="0" i="0" u="none" strike="noStrike" cap="none">
+                <a:solidFill>
+                  <a:schemeClr val="lt1"/>
+                </a:solidFill>
+                <a:latin typeface="+mn-lt"/>
+                <a:ea typeface="+mn-ea"/>
+                <a:cs typeface="+mn-cs"/>
+                <a:sym typeface="Arial"/>
+              </a:defRPr>
+            </a:lvl2pPr>
+            <a:lvl3pPr marR="0" lvl="2" algn="l" rtl="0">
+              <a:lnSpc>
+                <a:spcPct val="100000"/>
+              </a:lnSpc>
+              <a:spcBef>
+                <a:spcPts val="0"/>
+              </a:spcBef>
+              <a:spcAft>
+                <a:spcPts val="0"/>
+              </a:spcAft>
+              <a:buClr>
+                <a:srgbClr val="000000"/>
+              </a:buClr>
+              <a:buFont typeface="Arial"/>
+              <a:defRPr sz="1400" b="0" i="0" u="none" strike="noStrike" cap="none">
+                <a:solidFill>
+                  <a:schemeClr val="lt1"/>
+                </a:solidFill>
+                <a:latin typeface="+mn-lt"/>
+                <a:ea typeface="+mn-ea"/>
+                <a:cs typeface="+mn-cs"/>
+                <a:sym typeface="Arial"/>
+              </a:defRPr>
+            </a:lvl3pPr>
+            <a:lvl4pPr marR="0" lvl="3" algn="l" rtl="0">
+              <a:lnSpc>
+                <a:spcPct val="100000"/>
+              </a:lnSpc>
+              <a:spcBef>
+                <a:spcPts val="0"/>
+              </a:spcBef>
+              <a:spcAft>
+                <a:spcPts val="0"/>
+              </a:spcAft>
+              <a:buClr>
+                <a:srgbClr val="000000"/>
+              </a:buClr>
+              <a:buFont typeface="Arial"/>
+              <a:defRPr sz="1400" b="0" i="0" u="none" strike="noStrike" cap="none">
+                <a:solidFill>
+                  <a:schemeClr val="lt1"/>
+                </a:solidFill>
+                <a:latin typeface="+mn-lt"/>
+                <a:ea typeface="+mn-ea"/>
+                <a:cs typeface="+mn-cs"/>
+                <a:sym typeface="Arial"/>
+              </a:defRPr>
+            </a:lvl4pPr>
+            <a:lvl5pPr marR="0" lvl="4" algn="l" rtl="0">
+              <a:lnSpc>
+                <a:spcPct val="100000"/>
+              </a:lnSpc>
+              <a:spcBef>
+                <a:spcPts val="0"/>
+              </a:spcBef>
+              <a:spcAft>
+                <a:spcPts val="0"/>
+              </a:spcAft>
+              <a:buClr>
+                <a:srgbClr val="000000"/>
+              </a:buClr>
+              <a:buFont typeface="Arial"/>
+              <a:defRPr sz="1400" b="0" i="0" u="none" strike="noStrike" cap="none">
+                <a:solidFill>
+                  <a:schemeClr val="lt1"/>
+                </a:solidFill>
+                <a:latin typeface="+mn-lt"/>
+                <a:ea typeface="+mn-ea"/>
+                <a:cs typeface="+mn-cs"/>
+                <a:sym typeface="Arial"/>
+              </a:defRPr>
+            </a:lvl5pPr>
+            <a:lvl6pPr marR="0" lvl="5" algn="l" rtl="0">
+              <a:lnSpc>
+                <a:spcPct val="100000"/>
+              </a:lnSpc>
+              <a:spcBef>
+                <a:spcPts val="0"/>
+              </a:spcBef>
+              <a:spcAft>
+                <a:spcPts val="0"/>
+              </a:spcAft>
+              <a:buClr>
+                <a:srgbClr val="000000"/>
+              </a:buClr>
+              <a:buFont typeface="Arial"/>
+              <a:defRPr sz="1400" b="0" i="0" u="none" strike="noStrike" cap="none">
+                <a:solidFill>
+                  <a:schemeClr val="lt1"/>
+                </a:solidFill>
+                <a:latin typeface="+mn-lt"/>
+                <a:ea typeface="+mn-ea"/>
+                <a:cs typeface="+mn-cs"/>
+                <a:sym typeface="Arial"/>
+              </a:defRPr>
+            </a:lvl6pPr>
+            <a:lvl7pPr marR="0" lvl="6" algn="l" rtl="0">
+              <a:lnSpc>
+                <a:spcPct val="100000"/>
+              </a:lnSpc>
+              <a:spcBef>
+                <a:spcPts val="0"/>
+              </a:spcBef>
+              <a:spcAft>
+                <a:spcPts val="0"/>
+              </a:spcAft>
+              <a:buClr>
+                <a:srgbClr val="000000"/>
+              </a:buClr>
+              <a:buFont typeface="Arial"/>
+              <a:defRPr sz="1400" b="0" i="0" u="none" strike="noStrike" cap="none">
+                <a:solidFill>
+                  <a:schemeClr val="lt1"/>
+                </a:solidFill>
+                <a:latin typeface="+mn-lt"/>
+                <a:ea typeface="+mn-ea"/>
+                <a:cs typeface="+mn-cs"/>
+                <a:sym typeface="Arial"/>
+              </a:defRPr>
+            </a:lvl7pPr>
+            <a:lvl8pPr marR="0" lvl="7" algn="l" rtl="0">
+              <a:lnSpc>
+                <a:spcPct val="100000"/>
+              </a:lnSpc>
+              <a:spcBef>
+                <a:spcPts val="0"/>
+              </a:spcBef>
+              <a:spcAft>
+                <a:spcPts val="0"/>
+              </a:spcAft>
+              <a:buClr>
+                <a:srgbClr val="000000"/>
+              </a:buClr>
+              <a:buFont typeface="Arial"/>
+              <a:defRPr sz="1400" b="0" i="0" u="none" strike="noStrike" cap="none">
+                <a:solidFill>
+                  <a:schemeClr val="lt1"/>
+                </a:solidFill>
+                <a:latin typeface="+mn-lt"/>
+                <a:ea typeface="+mn-ea"/>
+                <a:cs typeface="+mn-cs"/>
+                <a:sym typeface="Arial"/>
+              </a:defRPr>
+            </a:lvl8pPr>
+            <a:lvl9pPr marR="0" lvl="8" algn="l" rtl="0">
+              <a:lnSpc>
+                <a:spcPct val="100000"/>
+              </a:lnSpc>
+              <a:spcBef>
+                <a:spcPts val="0"/>
+              </a:spcBef>
+              <a:spcAft>
+                <a:spcPts val="0"/>
+              </a:spcAft>
+              <a:buClr>
+                <a:srgbClr val="000000"/>
+              </a:buClr>
+              <a:buFont typeface="Arial"/>
+              <a:defRPr sz="1400" b="0" i="0" u="none" strike="noStrike" cap="none">
+                <a:solidFill>
+                  <a:schemeClr val="lt1"/>
+                </a:solidFill>
+                <a:latin typeface="+mn-lt"/>
+                <a:ea typeface="+mn-ea"/>
+                <a:cs typeface="+mn-cs"/>
+                <a:sym typeface="Arial"/>
+              </a:defRPr>
+            </a:lvl9pPr>
+          </a:lstStyle>
+          <a:p>
+            <a:pPr algn="ctr"/>
+            <a:r>
+              <a:rPr lang="en-US" altLang="ko-KR" sz="1200" dirty="0" smtClean="0">
+                <a:solidFill>
+                  <a:schemeClr val="tx1"/>
+                </a:solidFill>
+              </a:rPr>
+              <a:t>RESTAPI</a:t>
+            </a:r>
+            <a:endParaRPr lang="ko-KR" altLang="en-US" sz="1200" dirty="0">
+              <a:solidFill>
+                <a:schemeClr val="tx1"/>
+              </a:solidFill>
+            </a:endParaRPr>
+          </a:p>
+        </p:txBody>
+      </p:sp>
+      <p:cxnSp>
+        <p:nvCxnSpPr>
+          <p:cNvPr id="23" name="직선 연결선 22"/>
+          <p:cNvCxnSpPr>
+            <a:stCxn id="10" idx="2"/>
+          </p:cNvCxnSpPr>
+          <p:nvPr/>
+        </p:nvCxnSpPr>
+        <p:spPr>
+          <a:xfrm>
+            <a:off x="2415554" y="5639619"/>
+            <a:ext cx="788429" cy="512881"/>
+          </a:xfrm>
+          <a:prstGeom prst="line">
+            <a:avLst/>
+          </a:prstGeom>
+        </p:spPr>
+        <p:style>
+          <a:lnRef idx="1">
+            <a:schemeClr val="accent1"/>
+          </a:lnRef>
+          <a:fillRef idx="0">
+            <a:schemeClr val="accent1"/>
+          </a:fillRef>
+          <a:effectRef idx="0">
+            <a:schemeClr val="accent1"/>
+          </a:effectRef>
+          <a:fontRef idx="minor">
+            <a:schemeClr val="tx1"/>
+          </a:fontRef>
+        </p:style>
+      </p:cxnSp>
+      <p:sp>
+        <p:nvSpPr>
+          <p:cNvPr id="24" name="직사각형 23"/>
+          <p:cNvSpPr/>
+          <p:nvPr/>
+        </p:nvSpPr>
+        <p:spPr>
+          <a:xfrm>
+            <a:off x="3106168" y="3316572"/>
+            <a:ext cx="812550" cy="582172"/>
+          </a:xfrm>
+          <a:prstGeom prst="rect">
+            <a:avLst/>
+          </a:prstGeom>
+          <a:solidFill>
+            <a:schemeClr val="accent2">
+              <a:lumMod val="40000"/>
+              <a:lumOff val="60000"/>
+            </a:schemeClr>
+          </a:solidFill>
+          <a:ln>
+            <a:solidFill>
+              <a:schemeClr val="tx1"/>
+            </a:solidFill>
+          </a:ln>
+        </p:spPr>
+        <p:style>
+          <a:lnRef idx="2">
+            <a:schemeClr val="accent1">
+              <a:shade val="50000"/>
+            </a:schemeClr>
+          </a:lnRef>
+          <a:fillRef idx="1">
+            <a:schemeClr val="accent1"/>
+          </a:fillRef>
+          <a:effectRef idx="0">
+            <a:schemeClr val="accent1"/>
+          </a:effectRef>
+          <a:fontRef idx="minor">
+            <a:schemeClr val="lt1"/>
+          </a:fontRef>
+        </p:style>
+        <p:txBody>
+          <a:bodyPr rot="0" spcFirstLastPara="0" vert="horz" wrap="square" lIns="91440" tIns="45720" rIns="91440" bIns="45720" numCol="1" spcCol="0" rtlCol="0" fromWordArt="0" anchor="ctr" anchorCtr="0" forceAA="0" compatLnSpc="1">
+            <a:prstTxWarp prst="textNoShape">
+              <a:avLst/>
+            </a:prstTxWarp>
+            <a:noAutofit/>
+          </a:bodyPr>
+          <a:lstStyle>
+            <a:defPPr marR="0" lvl="0" algn="l" rtl="0">
+              <a:lnSpc>
+                <a:spcPct val="100000"/>
+              </a:lnSpc>
+              <a:spcBef>
+                <a:spcPts val="0"/>
+              </a:spcBef>
+              <a:spcAft>
+                <a:spcPts val="0"/>
+              </a:spcAft>
+            </a:defPPr>
+            <a:lvl1pPr marR="0" lvl="0" algn="l" rtl="0">
+              <a:lnSpc>
+                <a:spcPct val="100000"/>
+              </a:lnSpc>
+              <a:spcBef>
+                <a:spcPts val="0"/>
+              </a:spcBef>
+              <a:spcAft>
+                <a:spcPts val="0"/>
+              </a:spcAft>
+              <a:buClr>
+                <a:srgbClr val="000000"/>
+              </a:buClr>
+              <a:buFont typeface="Arial"/>
+              <a:defRPr sz="1400" b="0" i="0" u="none" strike="noStrike" cap="none">
+                <a:solidFill>
+                  <a:schemeClr val="lt1"/>
+                </a:solidFill>
+                <a:latin typeface="+mn-lt"/>
+                <a:ea typeface="+mn-ea"/>
+                <a:cs typeface="+mn-cs"/>
+                <a:sym typeface="Arial"/>
+              </a:defRPr>
+            </a:lvl1pPr>
+            <a:lvl2pPr marR="0" lvl="1" algn="l" rtl="0">
+              <a:lnSpc>
+                <a:spcPct val="100000"/>
+              </a:lnSpc>
+              <a:spcBef>
+                <a:spcPts val="0"/>
+              </a:spcBef>
+              <a:spcAft>
+                <a:spcPts val="0"/>
+              </a:spcAft>
+              <a:buClr>
+                <a:srgbClr val="000000"/>
+              </a:buClr>
+              <a:buFont typeface="Arial"/>
+              <a:defRPr sz="1400" b="0" i="0" u="none" strike="noStrike" cap="none">
+                <a:solidFill>
+                  <a:schemeClr val="lt1"/>
+                </a:solidFill>
+                <a:latin typeface="+mn-lt"/>
+                <a:ea typeface="+mn-ea"/>
+                <a:cs typeface="+mn-cs"/>
+                <a:sym typeface="Arial"/>
+              </a:defRPr>
+            </a:lvl2pPr>
+            <a:lvl3pPr marR="0" lvl="2" algn="l" rtl="0">
+              <a:lnSpc>
+                <a:spcPct val="100000"/>
+              </a:lnSpc>
+              <a:spcBef>
+                <a:spcPts val="0"/>
+              </a:spcBef>
+              <a:spcAft>
+                <a:spcPts val="0"/>
+              </a:spcAft>
+              <a:buClr>
+                <a:srgbClr val="000000"/>
+              </a:buClr>
+              <a:buFont typeface="Arial"/>
+              <a:defRPr sz="1400" b="0" i="0" u="none" strike="noStrike" cap="none">
+                <a:solidFill>
+                  <a:schemeClr val="lt1"/>
+                </a:solidFill>
+                <a:latin typeface="+mn-lt"/>
+                <a:ea typeface="+mn-ea"/>
+                <a:cs typeface="+mn-cs"/>
+                <a:sym typeface="Arial"/>
+              </a:defRPr>
+            </a:lvl3pPr>
+            <a:lvl4pPr marR="0" lvl="3" algn="l" rtl="0">
+              <a:lnSpc>
+                <a:spcPct val="100000"/>
+              </a:lnSpc>
+              <a:spcBef>
+                <a:spcPts val="0"/>
+              </a:spcBef>
+              <a:spcAft>
+                <a:spcPts val="0"/>
+              </a:spcAft>
+              <a:buClr>
+                <a:srgbClr val="000000"/>
+              </a:buClr>
+              <a:buFont typeface="Arial"/>
+              <a:defRPr sz="1400" b="0" i="0" u="none" strike="noStrike" cap="none">
+                <a:solidFill>
+                  <a:schemeClr val="lt1"/>
+                </a:solidFill>
+                <a:latin typeface="+mn-lt"/>
+                <a:ea typeface="+mn-ea"/>
+                <a:cs typeface="+mn-cs"/>
+                <a:sym typeface="Arial"/>
+              </a:defRPr>
+            </a:lvl4pPr>
+            <a:lvl5pPr marR="0" lvl="4" algn="l" rtl="0">
+              <a:lnSpc>
+                <a:spcPct val="100000"/>
+              </a:lnSpc>
+              <a:spcBef>
+                <a:spcPts val="0"/>
+              </a:spcBef>
+              <a:spcAft>
+                <a:spcPts val="0"/>
+              </a:spcAft>
+              <a:buClr>
+                <a:srgbClr val="000000"/>
+              </a:buClr>
+              <a:buFont typeface="Arial"/>
+              <a:defRPr sz="1400" b="0" i="0" u="none" strike="noStrike" cap="none">
+                <a:solidFill>
+                  <a:schemeClr val="lt1"/>
+                </a:solidFill>
+                <a:latin typeface="+mn-lt"/>
+                <a:ea typeface="+mn-ea"/>
+                <a:cs typeface="+mn-cs"/>
+                <a:sym typeface="Arial"/>
+              </a:defRPr>
+            </a:lvl5pPr>
+            <a:lvl6pPr marR="0" lvl="5" algn="l" rtl="0">
+              <a:lnSpc>
+                <a:spcPct val="100000"/>
+              </a:lnSpc>
+              <a:spcBef>
+                <a:spcPts val="0"/>
+              </a:spcBef>
+              <a:spcAft>
+                <a:spcPts val="0"/>
+              </a:spcAft>
+              <a:buClr>
+                <a:srgbClr val="000000"/>
+              </a:buClr>
+              <a:buFont typeface="Arial"/>
+              <a:defRPr sz="1400" b="0" i="0" u="none" strike="noStrike" cap="none">
+                <a:solidFill>
+                  <a:schemeClr val="lt1"/>
+                </a:solidFill>
+                <a:latin typeface="+mn-lt"/>
+                <a:ea typeface="+mn-ea"/>
+                <a:cs typeface="+mn-cs"/>
+                <a:sym typeface="Arial"/>
+              </a:defRPr>
+            </a:lvl6pPr>
+            <a:lvl7pPr marR="0" lvl="6" algn="l" rtl="0">
+              <a:lnSpc>
+                <a:spcPct val="100000"/>
+              </a:lnSpc>
+              <a:spcBef>
+                <a:spcPts val="0"/>
+              </a:spcBef>
+              <a:spcAft>
+                <a:spcPts val="0"/>
+              </a:spcAft>
+              <a:buClr>
+                <a:srgbClr val="000000"/>
+              </a:buClr>
+              <a:buFont typeface="Arial"/>
+              <a:defRPr sz="1400" b="0" i="0" u="none" strike="noStrike" cap="none">
+                <a:solidFill>
+                  <a:schemeClr val="lt1"/>
+                </a:solidFill>
+                <a:latin typeface="+mn-lt"/>
+                <a:ea typeface="+mn-ea"/>
+                <a:cs typeface="+mn-cs"/>
+                <a:sym typeface="Arial"/>
+              </a:defRPr>
+            </a:lvl7pPr>
+            <a:lvl8pPr marR="0" lvl="7" algn="l" rtl="0">
+              <a:lnSpc>
+                <a:spcPct val="100000"/>
+              </a:lnSpc>
+              <a:spcBef>
+                <a:spcPts val="0"/>
+              </a:spcBef>
+              <a:spcAft>
+                <a:spcPts val="0"/>
+              </a:spcAft>
+              <a:buClr>
+                <a:srgbClr val="000000"/>
+              </a:buClr>
+              <a:buFont typeface="Arial"/>
+              <a:defRPr sz="1400" b="0" i="0" u="none" strike="noStrike" cap="none">
+                <a:solidFill>
+                  <a:schemeClr val="lt1"/>
+                </a:solidFill>
+                <a:latin typeface="+mn-lt"/>
+                <a:ea typeface="+mn-ea"/>
+                <a:cs typeface="+mn-cs"/>
+                <a:sym typeface="Arial"/>
+              </a:defRPr>
+            </a:lvl8pPr>
+            <a:lvl9pPr marR="0" lvl="8" algn="l" rtl="0">
+              <a:lnSpc>
+                <a:spcPct val="100000"/>
+              </a:lnSpc>
+              <a:spcBef>
+                <a:spcPts val="0"/>
+              </a:spcBef>
+              <a:spcAft>
+                <a:spcPts val="0"/>
+              </a:spcAft>
+              <a:buClr>
+                <a:srgbClr val="000000"/>
+              </a:buClr>
+              <a:buFont typeface="Arial"/>
+              <a:defRPr sz="1400" b="0" i="0" u="none" strike="noStrike" cap="none">
+                <a:solidFill>
+                  <a:schemeClr val="lt1"/>
+                </a:solidFill>
+                <a:latin typeface="+mn-lt"/>
+                <a:ea typeface="+mn-ea"/>
+                <a:cs typeface="+mn-cs"/>
+                <a:sym typeface="Arial"/>
+              </a:defRPr>
+            </a:lvl9pPr>
+          </a:lstStyle>
+          <a:p>
+            <a:pPr algn="ctr"/>
+            <a:r>
+              <a:rPr lang="en-US" altLang="ko-KR" sz="1200" dirty="0" smtClean="0">
+                <a:solidFill>
+                  <a:schemeClr val="tx1"/>
+                </a:solidFill>
+              </a:rPr>
+              <a:t>RESTAPI</a:t>
+            </a:r>
+            <a:endParaRPr lang="ko-KR" altLang="en-US" sz="1200" dirty="0">
+              <a:solidFill>
+                <a:schemeClr val="tx1"/>
+              </a:solidFill>
+            </a:endParaRPr>
+          </a:p>
+        </p:txBody>
+      </p:sp>
+      <p:cxnSp>
+        <p:nvCxnSpPr>
+          <p:cNvPr id="25" name="직선 연결선 24"/>
+          <p:cNvCxnSpPr>
+            <a:stCxn id="5" idx="2"/>
+          </p:cNvCxnSpPr>
+          <p:nvPr/>
+        </p:nvCxnSpPr>
+        <p:spPr>
+          <a:xfrm>
+            <a:off x="2136343" y="2835460"/>
+            <a:ext cx="969825" cy="777221"/>
+          </a:xfrm>
+          <a:prstGeom prst="line">
+            <a:avLst/>
+          </a:prstGeom>
+        </p:spPr>
+        <p:style>
+          <a:lnRef idx="1">
+            <a:schemeClr val="accent1"/>
+          </a:lnRef>
+          <a:fillRef idx="0">
+            <a:schemeClr val="accent1"/>
+          </a:fillRef>
+          <a:effectRef idx="0">
+            <a:schemeClr val="accent1"/>
+          </a:effectRef>
+          <a:fontRef idx="minor">
+            <a:schemeClr val="tx1"/>
+          </a:fontRef>
+        </p:style>
+      </p:cxnSp>
+      <p:sp>
+        <p:nvSpPr>
+          <p:cNvPr id="28" name="순서도: 처리 27"/>
+          <p:cNvSpPr/>
+          <p:nvPr/>
+        </p:nvSpPr>
+        <p:spPr>
+          <a:xfrm>
+            <a:off x="4086472" y="3898744"/>
+            <a:ext cx="5012559" cy="2405317"/>
+          </a:xfrm>
+          <a:prstGeom prst="flowChartProcess">
+            <a:avLst/>
+          </a:prstGeom>
+          <a:noFill/>
+          <a:ln>
+            <a:solidFill>
+              <a:schemeClr val="tx1"/>
+            </a:solidFill>
+            <a:prstDash val="sysDot"/>
+          </a:ln>
+        </p:spPr>
+        <p:style>
+          <a:lnRef idx="2">
+            <a:schemeClr val="accent1">
+              <a:shade val="50000"/>
+            </a:schemeClr>
+          </a:lnRef>
+          <a:fillRef idx="1">
+            <a:schemeClr val="accent1"/>
+          </a:fillRef>
+          <a:effectRef idx="0">
+            <a:schemeClr val="accent1"/>
+          </a:effectRef>
+          <a:fontRef idx="minor">
+            <a:schemeClr val="lt1"/>
+          </a:fontRef>
+        </p:style>
+        <p:txBody>
+          <a:bodyPr rtlCol="0" anchor="ctr"/>
+          <a:lstStyle/>
+          <a:p>
+            <a:pPr algn="ctr"/>
+            <a:endParaRPr lang="ko-KR" altLang="en-US"/>
+          </a:p>
+        </p:txBody>
+      </p:sp>
     </p:spTree>
     <p:extLst>
       <p:ext uri="{BB962C8B-B14F-4D97-AF65-F5344CB8AC3E}">
@@ -7427,6 +8136,53 @@
           <a:chExt cx="0" cy="0"/>
         </a:xfrm>
       </p:grpSpPr>
+      <p:sp>
+        <p:nvSpPr>
+          <p:cNvPr id="24" name="순서도: 처리 23"/>
+          <p:cNvSpPr/>
+          <p:nvPr/>
+        </p:nvSpPr>
+        <p:spPr>
+          <a:xfrm>
+            <a:off x="3699165" y="3634464"/>
+            <a:ext cx="4596938" cy="2405317"/>
+          </a:xfrm>
+          <a:prstGeom prst="flowChartProcess">
+            <a:avLst/>
+          </a:prstGeom>
+          <a:noFill/>
+          <a:ln>
+            <a:solidFill>
+              <a:schemeClr val="tx1"/>
+            </a:solidFill>
+            <a:prstDash val="sysDot"/>
+          </a:ln>
+        </p:spPr>
+        <p:style>
+          <a:lnRef idx="2">
+            <a:schemeClr val="accent1">
+              <a:shade val="50000"/>
+            </a:schemeClr>
+          </a:lnRef>
+          <a:fillRef idx="1">
+            <a:schemeClr val="accent1"/>
+          </a:fillRef>
+          <a:effectRef idx="0">
+            <a:schemeClr val="accent1"/>
+          </a:effectRef>
+          <a:fontRef idx="minor">
+            <a:schemeClr val="lt1"/>
+          </a:fontRef>
+        </p:style>
+        <p:txBody>
+          <a:bodyPr rtlCol="0" anchor="ctr"/>
+          <a:lstStyle/>
+          <a:p>
+            <a:pPr algn="ctr"/>
+            <a:endParaRPr lang="ko-KR" altLang="en-US"/>
+          </a:p>
+        </p:txBody>
+      </p:sp>
       <p:sp>
         <p:nvSpPr>
           <p:cNvPr id="4" name="제목 1"/>
@@ -8650,11 +9406,6 @@
               </a:rPr>
               <a:t>MySQL</a:t>
             </a:r>
-            <a:endParaRPr lang="en-US" altLang="ko-KR" dirty="0" smtClean="0">
-              <a:solidFill>
-                <a:schemeClr val="tx1"/>
-              </a:solidFill>
-            </a:endParaRPr>
           </a:p>
         </p:txBody>
       </p:sp>
@@ -11561,15 +12312,7 @@
                     <a:schemeClr val="tx1"/>
                   </a:solidFill>
                 </a:rPr>
-                <a:t>Spring </a:t>
-              </a:r>
-              <a:r>
-                <a:rPr lang="en-US" altLang="ko-KR" sz="1200" dirty="0" smtClean="0">
-                  <a:solidFill>
-                    <a:schemeClr val="tx1"/>
-                  </a:solidFill>
-                </a:rPr>
-                <a:t>Security</a:t>
+                <a:t>Spring Security</a:t>
               </a:r>
               <a:endParaRPr lang="ko-KR" altLang="en-US" sz="1200" dirty="0">
                 <a:solidFill>
@@ -11588,7 +12331,7 @@
         </p:nvSpPr>
         <p:spPr>
           <a:xfrm>
-            <a:off x="3763706" y="3219158"/>
+            <a:off x="3777685" y="2905000"/>
             <a:ext cx="812550" cy="669449"/>
           </a:xfrm>
           <a:prstGeom prst="rect">
@@ -11884,7 +12627,7 @@
         </p:nvSpPr>
         <p:spPr>
           <a:xfrm>
-            <a:off x="3774047" y="5980046"/>
+            <a:off x="3807016" y="6039781"/>
             <a:ext cx="1566437" cy="390011"/>
           </a:xfrm>
           <a:prstGeom prst="rect">
@@ -12210,8 +12953,8 @@
         </p:nvCxnSpPr>
         <p:spPr>
           <a:xfrm flipV="1">
-            <a:off x="2858853" y="3553883"/>
-            <a:ext cx="904853" cy="798588"/>
+            <a:off x="2858853" y="3239725"/>
+            <a:ext cx="918832" cy="1112746"/>
           </a:xfrm>
           <a:prstGeom prst="line">
             <a:avLst/>
@@ -12243,8 +12986,8 @@
         </p:nvCxnSpPr>
         <p:spPr>
           <a:xfrm>
-            <a:off x="4576256" y="3553883"/>
-            <a:ext cx="1385702" cy="475320"/>
+            <a:off x="4590235" y="3239725"/>
+            <a:ext cx="1371723" cy="789478"/>
           </a:xfrm>
           <a:prstGeom prst="line">
             <a:avLst/>
@@ -12274,9 +13017,9 @@
           <p:nvPr/>
         </p:nvCxnSpPr>
         <p:spPr>
-          <a:xfrm flipH="1">
-            <a:off x="4183960" y="4691476"/>
-            <a:ext cx="10340" cy="1288570"/>
+          <a:xfrm>
+            <a:off x="4194300" y="4691476"/>
+            <a:ext cx="17892" cy="1426691"/>
           </a:xfrm>
           <a:prstGeom prst="line">
             <a:avLst/>
@@ -12621,10 +13364,905 @@
           </a:p>
         </p:txBody>
       </p:sp>
+      <p:sp>
+        <p:nvSpPr>
+          <p:cNvPr id="26" name="직사각형 25"/>
+          <p:cNvSpPr/>
+          <p:nvPr/>
+        </p:nvSpPr>
+        <p:spPr>
+          <a:xfrm>
+            <a:off x="2708857" y="5700608"/>
+            <a:ext cx="812550" cy="669449"/>
+          </a:xfrm>
+          <a:prstGeom prst="rect">
+            <a:avLst/>
+          </a:prstGeom>
+          <a:solidFill>
+            <a:schemeClr val="accent2">
+              <a:lumMod val="40000"/>
+              <a:lumOff val="60000"/>
+            </a:schemeClr>
+          </a:solidFill>
+          <a:ln>
+            <a:solidFill>
+              <a:schemeClr val="tx1"/>
+            </a:solidFill>
+          </a:ln>
+        </p:spPr>
+        <p:style>
+          <a:lnRef idx="2">
+            <a:schemeClr val="accent1">
+              <a:shade val="50000"/>
+            </a:schemeClr>
+          </a:lnRef>
+          <a:fillRef idx="1">
+            <a:schemeClr val="accent1"/>
+          </a:fillRef>
+          <a:effectRef idx="0">
+            <a:schemeClr val="accent1"/>
+          </a:effectRef>
+          <a:fontRef idx="minor">
+            <a:schemeClr val="lt1"/>
+          </a:fontRef>
+        </p:style>
+        <p:txBody>
+          <a:bodyPr rot="0" spcFirstLastPara="0" vert="horz" wrap="square" lIns="91440" tIns="45720" rIns="91440" bIns="45720" numCol="1" spcCol="0" rtlCol="0" fromWordArt="0" anchor="ctr" anchorCtr="0" forceAA="0" compatLnSpc="1">
+            <a:prstTxWarp prst="textNoShape">
+              <a:avLst/>
+            </a:prstTxWarp>
+            <a:noAutofit/>
+          </a:bodyPr>
+          <a:lstStyle>
+            <a:defPPr marR="0" lvl="0" algn="l" rtl="0">
+              <a:lnSpc>
+                <a:spcPct val="100000"/>
+              </a:lnSpc>
+              <a:spcBef>
+                <a:spcPts val="0"/>
+              </a:spcBef>
+              <a:spcAft>
+                <a:spcPts val="0"/>
+              </a:spcAft>
+            </a:defPPr>
+            <a:lvl1pPr marR="0" lvl="0" algn="l" rtl="0">
+              <a:lnSpc>
+                <a:spcPct val="100000"/>
+              </a:lnSpc>
+              <a:spcBef>
+                <a:spcPts val="0"/>
+              </a:spcBef>
+              <a:spcAft>
+                <a:spcPts val="0"/>
+              </a:spcAft>
+              <a:buClr>
+                <a:srgbClr val="000000"/>
+              </a:buClr>
+              <a:buFont typeface="Arial"/>
+              <a:defRPr sz="1400" b="0" i="0" u="none" strike="noStrike" cap="none">
+                <a:solidFill>
+                  <a:schemeClr val="lt1"/>
+                </a:solidFill>
+                <a:latin typeface="+mn-lt"/>
+                <a:ea typeface="+mn-ea"/>
+                <a:cs typeface="+mn-cs"/>
+                <a:sym typeface="Arial"/>
+              </a:defRPr>
+            </a:lvl1pPr>
+            <a:lvl2pPr marR="0" lvl="1" algn="l" rtl="0">
+              <a:lnSpc>
+                <a:spcPct val="100000"/>
+              </a:lnSpc>
+              <a:spcBef>
+                <a:spcPts val="0"/>
+              </a:spcBef>
+              <a:spcAft>
+                <a:spcPts val="0"/>
+              </a:spcAft>
+              <a:buClr>
+                <a:srgbClr val="000000"/>
+              </a:buClr>
+              <a:buFont typeface="Arial"/>
+              <a:defRPr sz="1400" b="0" i="0" u="none" strike="noStrike" cap="none">
+                <a:solidFill>
+                  <a:schemeClr val="lt1"/>
+                </a:solidFill>
+                <a:latin typeface="+mn-lt"/>
+                <a:ea typeface="+mn-ea"/>
+                <a:cs typeface="+mn-cs"/>
+                <a:sym typeface="Arial"/>
+              </a:defRPr>
+            </a:lvl2pPr>
+            <a:lvl3pPr marR="0" lvl="2" algn="l" rtl="0">
+              <a:lnSpc>
+                <a:spcPct val="100000"/>
+              </a:lnSpc>
+              <a:spcBef>
+                <a:spcPts val="0"/>
+              </a:spcBef>
+              <a:spcAft>
+                <a:spcPts val="0"/>
+              </a:spcAft>
+              <a:buClr>
+                <a:srgbClr val="000000"/>
+              </a:buClr>
+              <a:buFont typeface="Arial"/>
+              <a:defRPr sz="1400" b="0" i="0" u="none" strike="noStrike" cap="none">
+                <a:solidFill>
+                  <a:schemeClr val="lt1"/>
+                </a:solidFill>
+                <a:latin typeface="+mn-lt"/>
+                <a:ea typeface="+mn-ea"/>
+                <a:cs typeface="+mn-cs"/>
+                <a:sym typeface="Arial"/>
+              </a:defRPr>
+            </a:lvl3pPr>
+            <a:lvl4pPr marR="0" lvl="3" algn="l" rtl="0">
+              <a:lnSpc>
+                <a:spcPct val="100000"/>
+              </a:lnSpc>
+              <a:spcBef>
+                <a:spcPts val="0"/>
+              </a:spcBef>
+              <a:spcAft>
+                <a:spcPts val="0"/>
+              </a:spcAft>
+              <a:buClr>
+                <a:srgbClr val="000000"/>
+              </a:buClr>
+              <a:buFont typeface="Arial"/>
+              <a:defRPr sz="1400" b="0" i="0" u="none" strike="noStrike" cap="none">
+                <a:solidFill>
+                  <a:schemeClr val="lt1"/>
+                </a:solidFill>
+                <a:latin typeface="+mn-lt"/>
+                <a:ea typeface="+mn-ea"/>
+                <a:cs typeface="+mn-cs"/>
+                <a:sym typeface="Arial"/>
+              </a:defRPr>
+            </a:lvl4pPr>
+            <a:lvl5pPr marR="0" lvl="4" algn="l" rtl="0">
+              <a:lnSpc>
+                <a:spcPct val="100000"/>
+              </a:lnSpc>
+              <a:spcBef>
+                <a:spcPts val="0"/>
+              </a:spcBef>
+              <a:spcAft>
+                <a:spcPts val="0"/>
+              </a:spcAft>
+              <a:buClr>
+                <a:srgbClr val="000000"/>
+              </a:buClr>
+              <a:buFont typeface="Arial"/>
+              <a:defRPr sz="1400" b="0" i="0" u="none" strike="noStrike" cap="none">
+                <a:solidFill>
+                  <a:schemeClr val="lt1"/>
+                </a:solidFill>
+                <a:latin typeface="+mn-lt"/>
+                <a:ea typeface="+mn-ea"/>
+                <a:cs typeface="+mn-cs"/>
+                <a:sym typeface="Arial"/>
+              </a:defRPr>
+            </a:lvl5pPr>
+            <a:lvl6pPr marR="0" lvl="5" algn="l" rtl="0">
+              <a:lnSpc>
+                <a:spcPct val="100000"/>
+              </a:lnSpc>
+              <a:spcBef>
+                <a:spcPts val="0"/>
+              </a:spcBef>
+              <a:spcAft>
+                <a:spcPts val="0"/>
+              </a:spcAft>
+              <a:buClr>
+                <a:srgbClr val="000000"/>
+              </a:buClr>
+              <a:buFont typeface="Arial"/>
+              <a:defRPr sz="1400" b="0" i="0" u="none" strike="noStrike" cap="none">
+                <a:solidFill>
+                  <a:schemeClr val="lt1"/>
+                </a:solidFill>
+                <a:latin typeface="+mn-lt"/>
+                <a:ea typeface="+mn-ea"/>
+                <a:cs typeface="+mn-cs"/>
+                <a:sym typeface="Arial"/>
+              </a:defRPr>
+            </a:lvl6pPr>
+            <a:lvl7pPr marR="0" lvl="6" algn="l" rtl="0">
+              <a:lnSpc>
+                <a:spcPct val="100000"/>
+              </a:lnSpc>
+              <a:spcBef>
+                <a:spcPts val="0"/>
+              </a:spcBef>
+              <a:spcAft>
+                <a:spcPts val="0"/>
+              </a:spcAft>
+              <a:buClr>
+                <a:srgbClr val="000000"/>
+              </a:buClr>
+              <a:buFont typeface="Arial"/>
+              <a:defRPr sz="1400" b="0" i="0" u="none" strike="noStrike" cap="none">
+                <a:solidFill>
+                  <a:schemeClr val="lt1"/>
+                </a:solidFill>
+                <a:latin typeface="+mn-lt"/>
+                <a:ea typeface="+mn-ea"/>
+                <a:cs typeface="+mn-cs"/>
+                <a:sym typeface="Arial"/>
+              </a:defRPr>
+            </a:lvl7pPr>
+            <a:lvl8pPr marR="0" lvl="7" algn="l" rtl="0">
+              <a:lnSpc>
+                <a:spcPct val="100000"/>
+              </a:lnSpc>
+              <a:spcBef>
+                <a:spcPts val="0"/>
+              </a:spcBef>
+              <a:spcAft>
+                <a:spcPts val="0"/>
+              </a:spcAft>
+              <a:buClr>
+                <a:srgbClr val="000000"/>
+              </a:buClr>
+              <a:buFont typeface="Arial"/>
+              <a:defRPr sz="1400" b="0" i="0" u="none" strike="noStrike" cap="none">
+                <a:solidFill>
+                  <a:schemeClr val="lt1"/>
+                </a:solidFill>
+                <a:latin typeface="+mn-lt"/>
+                <a:ea typeface="+mn-ea"/>
+                <a:cs typeface="+mn-cs"/>
+                <a:sym typeface="Arial"/>
+              </a:defRPr>
+            </a:lvl8pPr>
+            <a:lvl9pPr marR="0" lvl="8" algn="l" rtl="0">
+              <a:lnSpc>
+                <a:spcPct val="100000"/>
+              </a:lnSpc>
+              <a:spcBef>
+                <a:spcPts val="0"/>
+              </a:spcBef>
+              <a:spcAft>
+                <a:spcPts val="0"/>
+              </a:spcAft>
+              <a:buClr>
+                <a:srgbClr val="000000"/>
+              </a:buClr>
+              <a:buFont typeface="Arial"/>
+              <a:defRPr sz="1400" b="0" i="0" u="none" strike="noStrike" cap="none">
+                <a:solidFill>
+                  <a:schemeClr val="lt1"/>
+                </a:solidFill>
+                <a:latin typeface="+mn-lt"/>
+                <a:ea typeface="+mn-ea"/>
+                <a:cs typeface="+mn-cs"/>
+                <a:sym typeface="Arial"/>
+              </a:defRPr>
+            </a:lvl9pPr>
+          </a:lstStyle>
+          <a:p>
+            <a:pPr algn="ctr"/>
+            <a:r>
+              <a:rPr lang="en-US" altLang="ko-KR" sz="1200" dirty="0" smtClean="0">
+                <a:solidFill>
+                  <a:schemeClr val="tx1"/>
+                </a:solidFill>
+              </a:rPr>
+              <a:t>RESTAPI</a:t>
+            </a:r>
+            <a:endParaRPr lang="ko-KR" altLang="en-US" sz="1200" dirty="0">
+              <a:solidFill>
+                <a:schemeClr val="tx1"/>
+              </a:solidFill>
+            </a:endParaRPr>
+          </a:p>
+        </p:txBody>
+      </p:sp>
+      <p:cxnSp>
+        <p:nvCxnSpPr>
+          <p:cNvPr id="3" name="직선 연결선 2"/>
+          <p:cNvCxnSpPr>
+            <a:stCxn id="10" idx="2"/>
+          </p:cNvCxnSpPr>
+          <p:nvPr/>
+        </p:nvCxnSpPr>
+        <p:spPr>
+          <a:xfrm>
+            <a:off x="1523406" y="5306310"/>
+            <a:ext cx="1181813" cy="396221"/>
+          </a:xfrm>
+          <a:prstGeom prst="line">
+            <a:avLst/>
+          </a:prstGeom>
+        </p:spPr>
+        <p:style>
+          <a:lnRef idx="1">
+            <a:schemeClr val="accent1"/>
+          </a:lnRef>
+          <a:fillRef idx="0">
+            <a:schemeClr val="accent1"/>
+          </a:fillRef>
+          <a:effectRef idx="0">
+            <a:schemeClr val="accent1"/>
+          </a:effectRef>
+          <a:fontRef idx="minor">
+            <a:schemeClr val="tx1"/>
+          </a:fontRef>
+        </p:style>
+      </p:cxnSp>
+      <p:sp>
+        <p:nvSpPr>
+          <p:cNvPr id="30" name="직사각형 29"/>
+          <p:cNvSpPr/>
+          <p:nvPr/>
+        </p:nvSpPr>
+        <p:spPr>
+          <a:xfrm>
+            <a:off x="3115132" y="501740"/>
+            <a:ext cx="812550" cy="669449"/>
+          </a:xfrm>
+          <a:prstGeom prst="rect">
+            <a:avLst/>
+          </a:prstGeom>
+          <a:solidFill>
+            <a:schemeClr val="accent2">
+              <a:lumMod val="40000"/>
+              <a:lumOff val="60000"/>
+            </a:schemeClr>
+          </a:solidFill>
+          <a:ln>
+            <a:solidFill>
+              <a:schemeClr val="tx1"/>
+            </a:solidFill>
+          </a:ln>
+        </p:spPr>
+        <p:style>
+          <a:lnRef idx="2">
+            <a:schemeClr val="accent1">
+              <a:shade val="50000"/>
+            </a:schemeClr>
+          </a:lnRef>
+          <a:fillRef idx="1">
+            <a:schemeClr val="accent1"/>
+          </a:fillRef>
+          <a:effectRef idx="0">
+            <a:schemeClr val="accent1"/>
+          </a:effectRef>
+          <a:fontRef idx="minor">
+            <a:schemeClr val="lt1"/>
+          </a:fontRef>
+        </p:style>
+        <p:txBody>
+          <a:bodyPr rot="0" spcFirstLastPara="0" vert="horz" wrap="square" lIns="91440" tIns="45720" rIns="91440" bIns="45720" numCol="1" spcCol="0" rtlCol="0" fromWordArt="0" anchor="ctr" anchorCtr="0" forceAA="0" compatLnSpc="1">
+            <a:prstTxWarp prst="textNoShape">
+              <a:avLst/>
+            </a:prstTxWarp>
+            <a:noAutofit/>
+          </a:bodyPr>
+          <a:lstStyle>
+            <a:defPPr marR="0" lvl="0" algn="l" rtl="0">
+              <a:lnSpc>
+                <a:spcPct val="100000"/>
+              </a:lnSpc>
+              <a:spcBef>
+                <a:spcPts val="0"/>
+              </a:spcBef>
+              <a:spcAft>
+                <a:spcPts val="0"/>
+              </a:spcAft>
+            </a:defPPr>
+            <a:lvl1pPr marR="0" lvl="0" algn="l" rtl="0">
+              <a:lnSpc>
+                <a:spcPct val="100000"/>
+              </a:lnSpc>
+              <a:spcBef>
+                <a:spcPts val="0"/>
+              </a:spcBef>
+              <a:spcAft>
+                <a:spcPts val="0"/>
+              </a:spcAft>
+              <a:buClr>
+                <a:srgbClr val="000000"/>
+              </a:buClr>
+              <a:buFont typeface="Arial"/>
+              <a:defRPr sz="1400" b="0" i="0" u="none" strike="noStrike" cap="none">
+                <a:solidFill>
+                  <a:schemeClr val="lt1"/>
+                </a:solidFill>
+                <a:latin typeface="+mn-lt"/>
+                <a:ea typeface="+mn-ea"/>
+                <a:cs typeface="+mn-cs"/>
+                <a:sym typeface="Arial"/>
+              </a:defRPr>
+            </a:lvl1pPr>
+            <a:lvl2pPr marR="0" lvl="1" algn="l" rtl="0">
+              <a:lnSpc>
+                <a:spcPct val="100000"/>
+              </a:lnSpc>
+              <a:spcBef>
+                <a:spcPts val="0"/>
+              </a:spcBef>
+              <a:spcAft>
+                <a:spcPts val="0"/>
+              </a:spcAft>
+              <a:buClr>
+                <a:srgbClr val="000000"/>
+              </a:buClr>
+              <a:buFont typeface="Arial"/>
+              <a:defRPr sz="1400" b="0" i="0" u="none" strike="noStrike" cap="none">
+                <a:solidFill>
+                  <a:schemeClr val="lt1"/>
+                </a:solidFill>
+                <a:latin typeface="+mn-lt"/>
+                <a:ea typeface="+mn-ea"/>
+                <a:cs typeface="+mn-cs"/>
+                <a:sym typeface="Arial"/>
+              </a:defRPr>
+            </a:lvl2pPr>
+            <a:lvl3pPr marR="0" lvl="2" algn="l" rtl="0">
+              <a:lnSpc>
+                <a:spcPct val="100000"/>
+              </a:lnSpc>
+              <a:spcBef>
+                <a:spcPts val="0"/>
+              </a:spcBef>
+              <a:spcAft>
+                <a:spcPts val="0"/>
+              </a:spcAft>
+              <a:buClr>
+                <a:srgbClr val="000000"/>
+              </a:buClr>
+              <a:buFont typeface="Arial"/>
+              <a:defRPr sz="1400" b="0" i="0" u="none" strike="noStrike" cap="none">
+                <a:solidFill>
+                  <a:schemeClr val="lt1"/>
+                </a:solidFill>
+                <a:latin typeface="+mn-lt"/>
+                <a:ea typeface="+mn-ea"/>
+                <a:cs typeface="+mn-cs"/>
+                <a:sym typeface="Arial"/>
+              </a:defRPr>
+            </a:lvl3pPr>
+            <a:lvl4pPr marR="0" lvl="3" algn="l" rtl="0">
+              <a:lnSpc>
+                <a:spcPct val="100000"/>
+              </a:lnSpc>
+              <a:spcBef>
+                <a:spcPts val="0"/>
+              </a:spcBef>
+              <a:spcAft>
+                <a:spcPts val="0"/>
+              </a:spcAft>
+              <a:buClr>
+                <a:srgbClr val="000000"/>
+              </a:buClr>
+              <a:buFont typeface="Arial"/>
+              <a:defRPr sz="1400" b="0" i="0" u="none" strike="noStrike" cap="none">
+                <a:solidFill>
+                  <a:schemeClr val="lt1"/>
+                </a:solidFill>
+                <a:latin typeface="+mn-lt"/>
+                <a:ea typeface="+mn-ea"/>
+                <a:cs typeface="+mn-cs"/>
+                <a:sym typeface="Arial"/>
+              </a:defRPr>
+            </a:lvl4pPr>
+            <a:lvl5pPr marR="0" lvl="4" algn="l" rtl="0">
+              <a:lnSpc>
+                <a:spcPct val="100000"/>
+              </a:lnSpc>
+              <a:spcBef>
+                <a:spcPts val="0"/>
+              </a:spcBef>
+              <a:spcAft>
+                <a:spcPts val="0"/>
+              </a:spcAft>
+              <a:buClr>
+                <a:srgbClr val="000000"/>
+              </a:buClr>
+              <a:buFont typeface="Arial"/>
+              <a:defRPr sz="1400" b="0" i="0" u="none" strike="noStrike" cap="none">
+                <a:solidFill>
+                  <a:schemeClr val="lt1"/>
+                </a:solidFill>
+                <a:latin typeface="+mn-lt"/>
+                <a:ea typeface="+mn-ea"/>
+                <a:cs typeface="+mn-cs"/>
+                <a:sym typeface="Arial"/>
+              </a:defRPr>
+            </a:lvl5pPr>
+            <a:lvl6pPr marR="0" lvl="5" algn="l" rtl="0">
+              <a:lnSpc>
+                <a:spcPct val="100000"/>
+              </a:lnSpc>
+              <a:spcBef>
+                <a:spcPts val="0"/>
+              </a:spcBef>
+              <a:spcAft>
+                <a:spcPts val="0"/>
+              </a:spcAft>
+              <a:buClr>
+                <a:srgbClr val="000000"/>
+              </a:buClr>
+              <a:buFont typeface="Arial"/>
+              <a:defRPr sz="1400" b="0" i="0" u="none" strike="noStrike" cap="none">
+                <a:solidFill>
+                  <a:schemeClr val="lt1"/>
+                </a:solidFill>
+                <a:latin typeface="+mn-lt"/>
+                <a:ea typeface="+mn-ea"/>
+                <a:cs typeface="+mn-cs"/>
+                <a:sym typeface="Arial"/>
+              </a:defRPr>
+            </a:lvl6pPr>
+            <a:lvl7pPr marR="0" lvl="6" algn="l" rtl="0">
+              <a:lnSpc>
+                <a:spcPct val="100000"/>
+              </a:lnSpc>
+              <a:spcBef>
+                <a:spcPts val="0"/>
+              </a:spcBef>
+              <a:spcAft>
+                <a:spcPts val="0"/>
+              </a:spcAft>
+              <a:buClr>
+                <a:srgbClr val="000000"/>
+              </a:buClr>
+              <a:buFont typeface="Arial"/>
+              <a:defRPr sz="1400" b="0" i="0" u="none" strike="noStrike" cap="none">
+                <a:solidFill>
+                  <a:schemeClr val="lt1"/>
+                </a:solidFill>
+                <a:latin typeface="+mn-lt"/>
+                <a:ea typeface="+mn-ea"/>
+                <a:cs typeface="+mn-cs"/>
+                <a:sym typeface="Arial"/>
+              </a:defRPr>
+            </a:lvl7pPr>
+            <a:lvl8pPr marR="0" lvl="7" algn="l" rtl="0">
+              <a:lnSpc>
+                <a:spcPct val="100000"/>
+              </a:lnSpc>
+              <a:spcBef>
+                <a:spcPts val="0"/>
+              </a:spcBef>
+              <a:spcAft>
+                <a:spcPts val="0"/>
+              </a:spcAft>
+              <a:buClr>
+                <a:srgbClr val="000000"/>
+              </a:buClr>
+              <a:buFont typeface="Arial"/>
+              <a:defRPr sz="1400" b="0" i="0" u="none" strike="noStrike" cap="none">
+                <a:solidFill>
+                  <a:schemeClr val="lt1"/>
+                </a:solidFill>
+                <a:latin typeface="+mn-lt"/>
+                <a:ea typeface="+mn-ea"/>
+                <a:cs typeface="+mn-cs"/>
+                <a:sym typeface="Arial"/>
+              </a:defRPr>
+            </a:lvl8pPr>
+            <a:lvl9pPr marR="0" lvl="8" algn="l" rtl="0">
+              <a:lnSpc>
+                <a:spcPct val="100000"/>
+              </a:lnSpc>
+              <a:spcBef>
+                <a:spcPts val="0"/>
+              </a:spcBef>
+              <a:spcAft>
+                <a:spcPts val="0"/>
+              </a:spcAft>
+              <a:buClr>
+                <a:srgbClr val="000000"/>
+              </a:buClr>
+              <a:buFont typeface="Arial"/>
+              <a:defRPr sz="1400" b="0" i="0" u="none" strike="noStrike" cap="none">
+                <a:solidFill>
+                  <a:schemeClr val="lt1"/>
+                </a:solidFill>
+                <a:latin typeface="+mn-lt"/>
+                <a:ea typeface="+mn-ea"/>
+                <a:cs typeface="+mn-cs"/>
+                <a:sym typeface="Arial"/>
+              </a:defRPr>
+            </a:lvl9pPr>
+          </a:lstStyle>
+          <a:p>
+            <a:pPr algn="ctr"/>
+            <a:r>
+              <a:rPr lang="en-US" altLang="ko-KR" sz="1200" dirty="0" smtClean="0">
+                <a:solidFill>
+                  <a:schemeClr val="tx1"/>
+                </a:solidFill>
+              </a:rPr>
+              <a:t>RESTAPI</a:t>
+            </a:r>
+            <a:endParaRPr lang="ko-KR" altLang="en-US" sz="1200" dirty="0">
+              <a:solidFill>
+                <a:schemeClr val="tx1"/>
+              </a:solidFill>
+            </a:endParaRPr>
+          </a:p>
+        </p:txBody>
+      </p:sp>
+      <p:cxnSp>
+        <p:nvCxnSpPr>
+          <p:cNvPr id="31" name="직선 연결선 30"/>
+          <p:cNvCxnSpPr>
+            <a:stCxn id="5" idx="0"/>
+          </p:cNvCxnSpPr>
+          <p:nvPr/>
+        </p:nvCxnSpPr>
+        <p:spPr>
+          <a:xfrm flipV="1">
+            <a:off x="1972493" y="503663"/>
+            <a:ext cx="1139001" cy="1029897"/>
+          </a:xfrm>
+          <a:prstGeom prst="line">
+            <a:avLst/>
+          </a:prstGeom>
+        </p:spPr>
+        <p:style>
+          <a:lnRef idx="1">
+            <a:schemeClr val="accent1"/>
+          </a:lnRef>
+          <a:fillRef idx="0">
+            <a:schemeClr val="accent1"/>
+          </a:fillRef>
+          <a:effectRef idx="0">
+            <a:schemeClr val="accent1"/>
+          </a:effectRef>
+          <a:fontRef idx="minor">
+            <a:schemeClr val="tx1"/>
+          </a:fontRef>
+        </p:style>
+      </p:cxnSp>
     </p:spTree>
     <p:extLst>
       <p:ext uri="{BB962C8B-B14F-4D97-AF65-F5344CB8AC3E}">
         <p14:creationId xmlns:p14="http://schemas.microsoft.com/office/powerpoint/2010/main" val="755025349"/>
+      </p:ext>
+    </p:extLst>
+  </p:cSld>
+  <p:clrMapOvr>
+    <a:masterClrMapping/>
+  </p:clrMapOvr>
+</p:sld>
+</file>
+
+<file path=ppt/slides/slide3.xml><?xml version="1.0" encoding="utf-8"?>
+<p:sld xmlns:a="http://schemas.openxmlformats.org/drawingml/2006/main" xmlns:r="http://schemas.openxmlformats.org/officeDocument/2006/relationships" xmlns:p="http://schemas.openxmlformats.org/presentationml/2006/main">
+  <p:cSld>
+    <p:spTree>
+      <p:nvGrpSpPr>
+        <p:cNvPr id="1" name=""/>
+        <p:cNvGrpSpPr/>
+        <p:nvPr/>
+      </p:nvGrpSpPr>
+      <p:grpSpPr>
+        <a:xfrm>
+          <a:off x="0" y="0"/>
+          <a:ext cx="0" cy="0"/>
+          <a:chOff x="0" y="0"/>
+          <a:chExt cx="0" cy="0"/>
+        </a:xfrm>
+      </p:grpSpPr>
+      <p:sp>
+        <p:nvSpPr>
+          <p:cNvPr id="2" name="제목 1"/>
+          <p:cNvSpPr>
+            <a:spLocks noGrp="1"/>
+          </p:cNvSpPr>
+          <p:nvPr>
+            <p:ph type="title"/>
+          </p:nvPr>
+        </p:nvSpPr>
+        <p:spPr/>
+        <p:txBody>
+          <a:bodyPr/>
+          <a:lstStyle/>
+          <a:p>
+            <a:r>
+              <a:rPr lang="ko-KR" altLang="en-US" dirty="0" smtClean="0"/>
+              <a:t>기술 및 </a:t>
+            </a:r>
+            <a:r>
+              <a:rPr lang="en-US" altLang="ko-KR" dirty="0" smtClean="0"/>
+              <a:t>IDE </a:t>
+            </a:r>
+            <a:r>
+              <a:rPr lang="ko-KR" altLang="en-US" dirty="0" smtClean="0"/>
+              <a:t>그리고 툴</a:t>
+            </a:r>
+            <a:endParaRPr lang="ko-KR" altLang="en-US" dirty="0"/>
+          </a:p>
+        </p:txBody>
+      </p:sp>
+      <p:sp>
+        <p:nvSpPr>
+          <p:cNvPr id="3" name="내용 개체 틀 2"/>
+          <p:cNvSpPr>
+            <a:spLocks noGrp="1"/>
+          </p:cNvSpPr>
+          <p:nvPr>
+            <p:ph idx="1"/>
+          </p:nvPr>
+        </p:nvSpPr>
+        <p:spPr/>
+        <p:txBody>
+          <a:bodyPr>
+            <a:normAutofit/>
+          </a:bodyPr>
+          <a:lstStyle/>
+          <a:p>
+            <a:r>
+              <a:rPr lang="ko-KR" altLang="en-US" sz="2000" dirty="0" err="1" smtClean="0"/>
+              <a:t>기술스택</a:t>
+            </a:r>
+            <a:r>
+              <a:rPr lang="ko-KR" altLang="en-US" sz="2000" dirty="0" smtClean="0"/>
+              <a:t> </a:t>
+            </a:r>
+            <a:endParaRPr lang="en-US" altLang="ko-KR" sz="2000" dirty="0" smtClean="0"/>
+          </a:p>
+          <a:p>
+            <a:pPr marL="0" indent="0">
+              <a:buNone/>
+            </a:pPr>
+            <a:r>
+              <a:rPr lang="en-US" altLang="ko-KR" sz="2000" dirty="0" smtClean="0"/>
+              <a:t>Front end </a:t>
+            </a:r>
+          </a:p>
+          <a:p>
+            <a:pPr marL="0" indent="0">
+              <a:buNone/>
+            </a:pPr>
+            <a:r>
+              <a:rPr lang="en-US" altLang="ko-KR" sz="2000" dirty="0" smtClean="0"/>
+              <a:t>HTML, CSS, JavaScript, </a:t>
+            </a:r>
+            <a:r>
+              <a:rPr lang="en-US" altLang="ko-KR" sz="2000" dirty="0" err="1" smtClean="0"/>
+              <a:t>ResTAPI</a:t>
+            </a:r>
+            <a:r>
+              <a:rPr lang="en-US" altLang="ko-KR" sz="2000" dirty="0" smtClean="0"/>
+              <a:t>, jQuery, JSP, </a:t>
+            </a:r>
+            <a:r>
+              <a:rPr lang="en-US" altLang="ko-KR" sz="2000" dirty="0" err="1" smtClean="0"/>
+              <a:t>Thymeleaf</a:t>
+            </a:r>
+            <a:r>
+              <a:rPr lang="en-US" altLang="ko-KR" sz="2000" dirty="0" smtClean="0"/>
+              <a:t>, bootstrap, REACT, </a:t>
+            </a:r>
+            <a:r>
+              <a:rPr lang="en-US" altLang="ko-KR" sz="2000" dirty="0" err="1" smtClean="0"/>
+              <a:t>Axios</a:t>
+            </a:r>
+            <a:r>
+              <a:rPr lang="en-US" altLang="ko-KR" sz="2000" dirty="0" smtClean="0"/>
+              <a:t>,</a:t>
+            </a:r>
+          </a:p>
+          <a:p>
+            <a:pPr marL="0" indent="0">
+              <a:buNone/>
+            </a:pPr>
+            <a:endParaRPr lang="en-US" altLang="ko-KR" sz="2000" dirty="0" smtClean="0"/>
+          </a:p>
+          <a:p>
+            <a:pPr marL="0" indent="0">
+              <a:buNone/>
+            </a:pPr>
+            <a:r>
+              <a:rPr lang="en-US" altLang="ko-KR" sz="2000" dirty="0" smtClean="0"/>
+              <a:t>Back end</a:t>
+            </a:r>
+          </a:p>
+          <a:p>
+            <a:pPr marL="0" indent="0">
+              <a:buNone/>
+            </a:pPr>
+            <a:r>
+              <a:rPr lang="en-US" altLang="ko-KR" sz="2000" dirty="0" smtClean="0"/>
+              <a:t>Spring boot, Spring Framework, Java, MySQL, Oracle, Spring Security</a:t>
+            </a:r>
+            <a:r>
+              <a:rPr lang="en-US" altLang="ko-KR" sz="2000" smtClean="0"/>
+              <a:t>, Social API</a:t>
+            </a:r>
+            <a:endParaRPr lang="en-US" altLang="ko-KR" sz="2000" dirty="0" smtClean="0"/>
+          </a:p>
+          <a:p>
+            <a:pPr marL="0" indent="0">
+              <a:buNone/>
+            </a:pPr>
+            <a:r>
+              <a:rPr lang="en-US" altLang="ko-KR" sz="2000" dirty="0" smtClean="0"/>
+              <a:t>Apache Tomcat, HIKARI CP, Connection pool, NGINX </a:t>
+            </a:r>
+          </a:p>
+          <a:p>
+            <a:pPr marL="0" indent="0">
+              <a:buNone/>
+            </a:pPr>
+            <a:r>
+              <a:rPr lang="en-US" altLang="ko-KR" sz="2000" dirty="0" smtClean="0"/>
+              <a:t>IDE + </a:t>
+            </a:r>
+            <a:r>
+              <a:rPr lang="ko-KR" altLang="en-US" sz="2000" dirty="0" smtClean="0"/>
+              <a:t>툴</a:t>
+            </a:r>
+            <a:endParaRPr lang="en-US" altLang="ko-KR" sz="2000" dirty="0" smtClean="0"/>
+          </a:p>
+          <a:p>
+            <a:pPr marL="0" indent="0">
+              <a:buNone/>
+            </a:pPr>
+            <a:r>
+              <a:rPr lang="en-US" altLang="ko-KR" sz="2000" dirty="0" err="1" smtClean="0"/>
+              <a:t>Vscode</a:t>
+            </a:r>
+            <a:r>
+              <a:rPr lang="en-US" altLang="ko-KR" sz="2000" dirty="0" smtClean="0"/>
+              <a:t>, Eclipse, </a:t>
+            </a:r>
+            <a:r>
+              <a:rPr lang="en-US" altLang="ko-KR" sz="2000" dirty="0" err="1" smtClean="0"/>
+              <a:t>intellij</a:t>
+            </a:r>
+            <a:r>
+              <a:rPr lang="en-US" altLang="ko-KR" sz="2000" dirty="0" smtClean="0"/>
+              <a:t>, </a:t>
+            </a:r>
+            <a:r>
+              <a:rPr lang="en-US" altLang="ko-KR" sz="2000" dirty="0" err="1" smtClean="0"/>
+              <a:t>Github</a:t>
+            </a:r>
+            <a:r>
+              <a:rPr lang="en-US" altLang="ko-KR" sz="2000" dirty="0" smtClean="0"/>
+              <a:t>, </a:t>
+            </a:r>
+            <a:r>
+              <a:rPr lang="en-US" altLang="ko-KR" sz="2000" dirty="0" err="1" smtClean="0"/>
+              <a:t>webStrom</a:t>
+            </a:r>
+            <a:r>
+              <a:rPr lang="en-US" altLang="ko-KR" sz="2000" dirty="0" smtClean="0"/>
+              <a:t>, Postman, Google drive, </a:t>
+            </a:r>
+            <a:r>
+              <a:rPr lang="en-US" altLang="ko-KR" sz="2000" dirty="0" err="1" smtClean="0"/>
+              <a:t>gradle</a:t>
+            </a:r>
+            <a:r>
+              <a:rPr lang="en-US" altLang="ko-KR" sz="2000" dirty="0" smtClean="0"/>
+              <a:t>, maven, AWS</a:t>
+            </a:r>
+          </a:p>
+          <a:p>
+            <a:pPr marL="0" indent="0">
+              <a:buNone/>
+            </a:pPr>
+            <a:r>
+              <a:rPr lang="en-US" altLang="ko-KR" sz="2000" dirty="0" smtClean="0"/>
+              <a:t>Docker</a:t>
+            </a:r>
+            <a:endParaRPr lang="ko-KR" altLang="en-US" dirty="0"/>
+          </a:p>
+        </p:txBody>
+      </p:sp>
+    </p:spTree>
+    <p:extLst>
+      <p:ext uri="{BB962C8B-B14F-4D97-AF65-F5344CB8AC3E}">
+        <p14:creationId xmlns:p14="http://schemas.microsoft.com/office/powerpoint/2010/main" val="178022645"/>
       </p:ext>
     </p:extLst>
   </p:cSld>

--- a/SystemTemplate.pptx
+++ b/SystemTemplate.pptx
@@ -14146,9 +14146,14 @@
               <a:t>Axios</a:t>
             </a:r>
             <a:r>
-              <a:rPr lang="en-US" altLang="ko-KR" sz="2000" dirty="0" smtClean="0"/>
-              <a:t>,</a:t>
-            </a:r>
+              <a:rPr lang="en-US" altLang="ko-KR" sz="2000" smtClean="0"/>
+              <a:t>, </a:t>
+            </a:r>
+            <a:r>
+              <a:rPr lang="en-US" altLang="ko-KR" sz="2000" smtClean="0"/>
+              <a:t>JSTL</a:t>
+            </a:r>
+            <a:endParaRPr lang="en-US" altLang="ko-KR" sz="2000" dirty="0" smtClean="0"/>
           </a:p>
           <a:p>
             <a:pPr marL="0" indent="0">
@@ -14171,13 +14176,8 @@
             </a:pPr>
             <a:r>
               <a:rPr lang="en-US" altLang="ko-KR" sz="2000" dirty="0" smtClean="0"/>
-              <a:t>Spring boot, Spring Framework, Java, MySQL, Oracle, Spring Security</a:t>
-            </a:r>
-            <a:r>
-              <a:rPr lang="en-US" altLang="ko-KR" sz="2000" smtClean="0"/>
-              <a:t>, Social API</a:t>
-            </a:r>
-            <a:endParaRPr lang="en-US" altLang="ko-KR" sz="2000" dirty="0" smtClean="0"/>
+              <a:t>Spring boot, Spring Framework, Java, MySQL, Oracle, Spring Security, Social API</a:t>
+            </a:r>
           </a:p>
           <a:p>
             <a:pPr marL="0" indent="0">

--- a/SystemTemplate.pptx
+++ b/SystemTemplate.pptx
@@ -14146,14 +14146,13 @@
               <a:t>Axios</a:t>
             </a:r>
             <a:r>
-              <a:rPr lang="en-US" altLang="ko-KR" sz="2000" smtClean="0"/>
+              <a:rPr lang="en-US" altLang="ko-KR" sz="2000" dirty="0" smtClean="0"/>
               <a:t>, </a:t>
             </a:r>
             <a:r>
-              <a:rPr lang="en-US" altLang="ko-KR" sz="2000" smtClean="0"/>
+              <a:rPr lang="en-US" altLang="ko-KR" sz="2000" dirty="0" smtClean="0"/>
               <a:t>JSTL</a:t>
             </a:r>
-            <a:endParaRPr lang="en-US" altLang="ko-KR" sz="2000" dirty="0" smtClean="0"/>
           </a:p>
           <a:p>
             <a:pPr marL="0" indent="0">
@@ -14167,7 +14166,11 @@
             </a:pPr>
             <a:r>
               <a:rPr lang="en-US" altLang="ko-KR" sz="2000" dirty="0" smtClean="0"/>
-              <a:t>Back end</a:t>
+              <a:t>Back </a:t>
+            </a:r>
+            <a:r>
+              <a:rPr lang="en-US" altLang="ko-KR" sz="2000" dirty="0" smtClean="0"/>
+              <a:t>end</a:t>
             </a:r>
           </a:p>
           <a:p>
@@ -14185,8 +14188,21 @@
             </a:pPr>
             <a:r>
               <a:rPr lang="en-US" altLang="ko-KR" sz="2000" dirty="0" smtClean="0"/>
-              <a:t>Apache Tomcat, HIKARI CP, Connection pool, NGINX </a:t>
-            </a:r>
+              <a:t>Apache Tomcat, HIKARI CP, Connection pool, </a:t>
+            </a:r>
+            <a:r>
+              <a:rPr lang="en-US" altLang="ko-KR" sz="2000" dirty="0" smtClean="0"/>
+              <a:t>NGINX, </a:t>
+            </a:r>
+            <a:r>
+              <a:rPr lang="en-US" altLang="ko-KR" sz="2000" dirty="0" err="1" smtClean="0"/>
+              <a:t>MyBatis</a:t>
+            </a:r>
+            <a:r>
+              <a:rPr lang="en-US" altLang="ko-KR" sz="2000" dirty="0" smtClean="0"/>
+              <a:t>, JPA, XML </a:t>
+            </a:r>
+            <a:endParaRPr lang="en-US" altLang="ko-KR" sz="2000" dirty="0" smtClean="0"/>
           </a:p>
           <a:p>
             <a:pPr marL="0" indent="0">
@@ -14252,8 +14268,16 @@
               <a:buNone/>
             </a:pPr>
             <a:r>
+              <a:rPr lang="en-US" altLang="ko-KR" sz="2000" dirty="0"/>
+              <a:t>Docker, </a:t>
+            </a:r>
+            <a:r>
               <a:rPr lang="en-US" altLang="ko-KR" sz="2000" dirty="0" smtClean="0"/>
-              <a:t>Docker</a:t>
+              <a:t>JSON </a:t>
+            </a:r>
+            <a:r>
+              <a:rPr lang="ko-KR" altLang="en-US" sz="2000" dirty="0" smtClean="0"/>
+              <a:t>통신</a:t>
             </a:r>
             <a:endParaRPr lang="ko-KR" altLang="en-US" dirty="0"/>
           </a:p>
